--- a/Presentations/Mẫu-Abstract Factory-Nhóm-09.pptx
+++ b/Presentations/Mẫu-Abstract Factory-Nhóm-09.pptx
@@ -7983,7 +7983,7 @@
               <a:buChar char="v"/>
             </a:pPr>
             <a:r>
-              <a:rPr lang="en-US" sz="2400">
+              <a:rPr lang="en-US" sz="2400" dirty="0">
                 <a:solidFill>
                   <a:srgbClr val="0066FF"/>
                 </a:solidFill>
@@ -7993,7 +7993,7 @@
               <a:t>Factory Method </a:t>
             </a:r>
             <a:r>
-              <a:rPr lang="en-US" sz="2400">
+              <a:rPr lang="en-US" sz="2400" dirty="0">
                 <a:latin typeface="+mj-lt"/>
                 <a:cs typeface="Tahoma" charset="0"/>
                 <a:sym typeface="Wingdings" panose="05000000000000000000" pitchFamily="2" charset="2"/>
@@ -8001,7 +8001,7 @@
               <a:t> </a:t>
             </a:r>
             <a:r>
-              <a:rPr lang="en-US" sz="2400">
+              <a:rPr lang="en-US" sz="2400" dirty="0">
                 <a:solidFill>
                   <a:srgbClr val="0000FF"/>
                 </a:solidFill>
@@ -8012,7 +8012,7 @@
               <a:t>Abstract Factory</a:t>
             </a:r>
             <a:r>
-              <a:rPr lang="en-US" sz="2400">
+              <a:rPr lang="en-US" sz="2400" dirty="0">
                 <a:latin typeface="+mj-lt"/>
                 <a:cs typeface="Tahoma" charset="0"/>
                 <a:sym typeface="Wingdings" panose="05000000000000000000" pitchFamily="2" charset="2"/>
@@ -8031,7 +8031,7 @@
               <a:buFont typeface="Wingdings" panose="05000000000000000000" pitchFamily="2" charset="2"/>
               <a:buChar char="v"/>
             </a:pPr>
-            <a:endParaRPr lang="en-US" sz="2400">
+            <a:endParaRPr lang="en-US" sz="2400" dirty="0">
               <a:latin typeface="+mj-lt"/>
               <a:cs typeface="Tahoma" charset="0"/>
               <a:sym typeface="Wingdings" panose="05000000000000000000" pitchFamily="2" charset="2"/>
@@ -8049,7 +8049,7 @@
               <a:buChar char="v"/>
             </a:pPr>
             <a:r>
-              <a:rPr lang="en-US" sz="2400">
+              <a:rPr lang="en-US" sz="2400" dirty="0">
                 <a:solidFill>
                   <a:srgbClr val="0000FF"/>
                 </a:solidFill>
@@ -8060,15 +8060,87 @@
               <a:t>Abstract Factory </a:t>
             </a:r>
             <a:r>
-              <a:rPr lang="en-US" sz="2400">
+              <a:rPr lang="en-US" sz="2400" dirty="0" err="1">
                 <a:latin typeface="+mj-lt"/>
                 <a:cs typeface="Tahoma" charset="0"/>
                 <a:sym typeface="Wingdings" panose="05000000000000000000" pitchFamily="2" charset="2"/>
               </a:rPr>
-              <a:t>chính là một tập các </a:t>
-            </a:r>
-            <a:r>
-              <a:rPr lang="en-US" sz="2400">
+              <a:t>chính</a:t>
+            </a:r>
+            <a:r>
+              <a:rPr lang="en-US" sz="2400" dirty="0">
+                <a:latin typeface="+mj-lt"/>
+                <a:cs typeface="Tahoma" charset="0"/>
+                <a:sym typeface="Wingdings" panose="05000000000000000000" pitchFamily="2" charset="2"/>
+              </a:rPr>
+              <a:t> </a:t>
+            </a:r>
+            <a:r>
+              <a:rPr lang="en-US" sz="2400" dirty="0" err="1">
+                <a:latin typeface="+mj-lt"/>
+                <a:cs typeface="Tahoma" charset="0"/>
+                <a:sym typeface="Wingdings" panose="05000000000000000000" pitchFamily="2" charset="2"/>
+              </a:rPr>
+              <a:t>là</a:t>
+            </a:r>
+            <a:r>
+              <a:rPr lang="en-US" sz="2400" dirty="0">
+                <a:latin typeface="+mj-lt"/>
+                <a:cs typeface="Tahoma" charset="0"/>
+                <a:sym typeface="Wingdings" panose="05000000000000000000" pitchFamily="2" charset="2"/>
+              </a:rPr>
+              <a:t> </a:t>
+            </a:r>
+            <a:r>
+              <a:rPr lang="en-US" sz="2400" dirty="0" err="1">
+                <a:latin typeface="+mj-lt"/>
+                <a:cs typeface="Tahoma" charset="0"/>
+                <a:sym typeface="Wingdings" panose="05000000000000000000" pitchFamily="2" charset="2"/>
+              </a:rPr>
+              <a:t>một</a:t>
+            </a:r>
+            <a:r>
+              <a:rPr lang="en-US" sz="2400" dirty="0">
+                <a:latin typeface="+mj-lt"/>
+                <a:cs typeface="Tahoma" charset="0"/>
+                <a:sym typeface="Wingdings" panose="05000000000000000000" pitchFamily="2" charset="2"/>
+              </a:rPr>
+              <a:t> </a:t>
+            </a:r>
+            <a:r>
+              <a:rPr lang="en-US" sz="2400" dirty="0" err="1">
+                <a:latin typeface="+mj-lt"/>
+                <a:cs typeface="Tahoma" charset="0"/>
+                <a:sym typeface="Wingdings" panose="05000000000000000000" pitchFamily="2" charset="2"/>
+              </a:rPr>
+              <a:t>tập</a:t>
+            </a:r>
+            <a:r>
+              <a:rPr lang="en-US" sz="2400" dirty="0">
+                <a:latin typeface="+mj-lt"/>
+                <a:cs typeface="Tahoma" charset="0"/>
+                <a:sym typeface="Wingdings" panose="05000000000000000000" pitchFamily="2" charset="2"/>
+              </a:rPr>
+              <a:t> </a:t>
+            </a:r>
+            <a:r>
+              <a:rPr lang="en-US" sz="2400" dirty="0" err="1">
+                <a:latin typeface="+mj-lt"/>
+                <a:cs typeface="Tahoma" charset="0"/>
+                <a:sym typeface="Wingdings" panose="05000000000000000000" pitchFamily="2" charset="2"/>
+              </a:rPr>
+              <a:t>các</a:t>
+            </a:r>
+            <a:r>
+              <a:rPr lang="en-US" sz="2400" dirty="0">
+                <a:latin typeface="+mj-lt"/>
+                <a:cs typeface="Tahoma" charset="0"/>
+                <a:sym typeface="Wingdings" panose="05000000000000000000" pitchFamily="2" charset="2"/>
+              </a:rPr>
+              <a:t> </a:t>
+            </a:r>
+            <a:r>
+              <a:rPr lang="en-US" sz="2400" dirty="0">
                 <a:solidFill>
                   <a:srgbClr val="0066FF"/>
                 </a:solidFill>
@@ -8090,7 +8162,7 @@
               <a:buFont typeface="Wingdings" panose="05000000000000000000" pitchFamily="2" charset="2"/>
               <a:buChar char="v"/>
             </a:pPr>
-            <a:endParaRPr lang="en-US" sz="2400">
+            <a:endParaRPr lang="en-US" sz="2400" dirty="0">
               <a:latin typeface="+mj-lt"/>
               <a:cs typeface="Tahoma" charset="0"/>
               <a:sym typeface="Wingdings" panose="05000000000000000000" pitchFamily="2" charset="2"/>
@@ -8108,7 +8180,7 @@
               <a:buChar char="v"/>
             </a:pPr>
             <a:r>
-              <a:rPr lang="en-US" sz="2400">
+              <a:rPr lang="en-US" sz="2400" dirty="0">
                 <a:solidFill>
                   <a:srgbClr val="0066FF"/>
                 </a:solidFill>
@@ -8119,15 +8191,191 @@
               <a:t>Builder</a:t>
             </a:r>
             <a:r>
-              <a:rPr lang="en-US" sz="2400">
+              <a:rPr lang="en-US" sz="2400" dirty="0">
                 <a:latin typeface="+mj-lt"/>
                 <a:cs typeface="Tahoma" charset="0"/>
                 <a:sym typeface="Wingdings" panose="05000000000000000000" pitchFamily="2" charset="2"/>
               </a:rPr>
-              <a:t> tập trung khởi tạo một đối tượng một cách tuần tự, </a:t>
-            </a:r>
-            <a:r>
-              <a:rPr lang="en-US" sz="2400">
+              <a:t> </a:t>
+            </a:r>
+            <a:r>
+              <a:rPr lang="en-US" sz="2400" dirty="0" err="1">
+                <a:latin typeface="+mj-lt"/>
+                <a:cs typeface="Tahoma" charset="0"/>
+                <a:sym typeface="Wingdings" panose="05000000000000000000" pitchFamily="2" charset="2"/>
+              </a:rPr>
+              <a:t>tập</a:t>
+            </a:r>
+            <a:r>
+              <a:rPr lang="en-US" sz="2400" dirty="0">
+                <a:latin typeface="+mj-lt"/>
+                <a:cs typeface="Tahoma" charset="0"/>
+                <a:sym typeface="Wingdings" panose="05000000000000000000" pitchFamily="2" charset="2"/>
+              </a:rPr>
+              <a:t> </a:t>
+            </a:r>
+            <a:r>
+              <a:rPr lang="en-US" sz="2400" dirty="0" err="1">
+                <a:latin typeface="+mj-lt"/>
+                <a:cs typeface="Tahoma" charset="0"/>
+                <a:sym typeface="Wingdings" panose="05000000000000000000" pitchFamily="2" charset="2"/>
+              </a:rPr>
+              <a:t>trung</a:t>
+            </a:r>
+            <a:r>
+              <a:rPr lang="en-US" sz="2400" dirty="0">
+                <a:latin typeface="+mj-lt"/>
+                <a:cs typeface="Tahoma" charset="0"/>
+                <a:sym typeface="Wingdings" panose="05000000000000000000" pitchFamily="2" charset="2"/>
+              </a:rPr>
+              <a:t> </a:t>
+            </a:r>
+            <a:r>
+              <a:rPr lang="en-US" sz="2400" dirty="0" err="1">
+                <a:latin typeface="+mj-lt"/>
+                <a:cs typeface="Tahoma" charset="0"/>
+                <a:sym typeface="Wingdings" panose="05000000000000000000" pitchFamily="2" charset="2"/>
+              </a:rPr>
+              <a:t>khởi</a:t>
+            </a:r>
+            <a:r>
+              <a:rPr lang="en-US" sz="2400" dirty="0">
+                <a:latin typeface="+mj-lt"/>
+                <a:cs typeface="Tahoma" charset="0"/>
+                <a:sym typeface="Wingdings" panose="05000000000000000000" pitchFamily="2" charset="2"/>
+              </a:rPr>
+              <a:t> </a:t>
+            </a:r>
+            <a:r>
+              <a:rPr lang="en-US" sz="2400" dirty="0" err="1">
+                <a:latin typeface="+mj-lt"/>
+                <a:cs typeface="Tahoma" charset="0"/>
+                <a:sym typeface="Wingdings" panose="05000000000000000000" pitchFamily="2" charset="2"/>
+              </a:rPr>
+              <a:t>tạo</a:t>
+            </a:r>
+            <a:r>
+              <a:rPr lang="en-US" sz="2400" dirty="0">
+                <a:latin typeface="+mj-lt"/>
+                <a:cs typeface="Tahoma" charset="0"/>
+                <a:sym typeface="Wingdings" panose="05000000000000000000" pitchFamily="2" charset="2"/>
+              </a:rPr>
+              <a:t> </a:t>
+            </a:r>
+            <a:r>
+              <a:rPr lang="en-US" sz="2400" dirty="0" err="1">
+                <a:latin typeface="+mj-lt"/>
+                <a:cs typeface="Tahoma" charset="0"/>
+                <a:sym typeface="Wingdings" panose="05000000000000000000" pitchFamily="2" charset="2"/>
+              </a:rPr>
+              <a:t>một</a:t>
+            </a:r>
+            <a:r>
+              <a:rPr lang="en-US" sz="2400" dirty="0">
+                <a:latin typeface="+mj-lt"/>
+                <a:cs typeface="Tahoma" charset="0"/>
+                <a:sym typeface="Wingdings" panose="05000000000000000000" pitchFamily="2" charset="2"/>
+              </a:rPr>
+              <a:t> </a:t>
+            </a:r>
+            <a:r>
+              <a:rPr lang="en-US" sz="2400" dirty="0" err="1">
+                <a:latin typeface="+mj-lt"/>
+                <a:cs typeface="Tahoma" charset="0"/>
+                <a:sym typeface="Wingdings" panose="05000000000000000000" pitchFamily="2" charset="2"/>
+              </a:rPr>
+              <a:t>đối</a:t>
+            </a:r>
+            <a:r>
+              <a:rPr lang="en-US" sz="2400" dirty="0">
+                <a:latin typeface="+mj-lt"/>
+                <a:cs typeface="Tahoma" charset="0"/>
+                <a:sym typeface="Wingdings" panose="05000000000000000000" pitchFamily="2" charset="2"/>
+              </a:rPr>
+              <a:t> </a:t>
+            </a:r>
+            <a:r>
+              <a:rPr lang="en-US" sz="2400" dirty="0" err="1">
+                <a:latin typeface="+mj-lt"/>
+                <a:cs typeface="Tahoma" charset="0"/>
+                <a:sym typeface="Wingdings" panose="05000000000000000000" pitchFamily="2" charset="2"/>
+              </a:rPr>
+              <a:t>tượng</a:t>
+            </a:r>
+            <a:r>
+              <a:rPr lang="en-US" sz="2400" dirty="0">
+                <a:latin typeface="+mj-lt"/>
+                <a:cs typeface="Tahoma" charset="0"/>
+                <a:sym typeface="Wingdings" panose="05000000000000000000" pitchFamily="2" charset="2"/>
+              </a:rPr>
+              <a:t> </a:t>
+            </a:r>
+            <a:r>
+              <a:rPr lang="en-US" sz="2400" dirty="0" err="1">
+                <a:latin typeface="+mj-lt"/>
+                <a:cs typeface="Tahoma" charset="0"/>
+                <a:sym typeface="Wingdings" panose="05000000000000000000" pitchFamily="2" charset="2"/>
+              </a:rPr>
+              <a:t>một</a:t>
+            </a:r>
+            <a:r>
+              <a:rPr lang="en-US" sz="2400" dirty="0">
+                <a:latin typeface="+mj-lt"/>
+                <a:cs typeface="Tahoma" charset="0"/>
+                <a:sym typeface="Wingdings" panose="05000000000000000000" pitchFamily="2" charset="2"/>
+              </a:rPr>
+              <a:t> </a:t>
+            </a:r>
+            <a:r>
+              <a:rPr lang="en-US" sz="2400" dirty="0" err="1">
+                <a:latin typeface="+mj-lt"/>
+                <a:cs typeface="Tahoma" charset="0"/>
+                <a:sym typeface="Wingdings" panose="05000000000000000000" pitchFamily="2" charset="2"/>
+              </a:rPr>
+              <a:t>cách</a:t>
+            </a:r>
+            <a:r>
+              <a:rPr lang="en-US" sz="2400" dirty="0">
+                <a:latin typeface="+mj-lt"/>
+                <a:cs typeface="Tahoma" charset="0"/>
+                <a:sym typeface="Wingdings" panose="05000000000000000000" pitchFamily="2" charset="2"/>
+              </a:rPr>
+              <a:t> </a:t>
+            </a:r>
+            <a:r>
+              <a:rPr lang="en-US" sz="2400" dirty="0" err="1">
+                <a:latin typeface="+mj-lt"/>
+                <a:cs typeface="Tahoma" charset="0"/>
+                <a:sym typeface="Wingdings" panose="05000000000000000000" pitchFamily="2" charset="2"/>
+              </a:rPr>
+              <a:t>tuần</a:t>
+            </a:r>
+            <a:r>
+              <a:rPr lang="en-US" sz="2400" dirty="0">
+                <a:latin typeface="+mj-lt"/>
+                <a:cs typeface="Tahoma" charset="0"/>
+                <a:sym typeface="Wingdings" panose="05000000000000000000" pitchFamily="2" charset="2"/>
+              </a:rPr>
+              <a:t> </a:t>
+            </a:r>
+            <a:r>
+              <a:rPr lang="en-US" sz="2400" dirty="0" err="1">
+                <a:latin typeface="+mj-lt"/>
+                <a:cs typeface="Tahoma" charset="0"/>
+                <a:sym typeface="Wingdings" panose="05000000000000000000" pitchFamily="2" charset="2"/>
+              </a:rPr>
+              <a:t>tự</a:t>
+            </a:r>
+            <a:r>
+              <a:rPr lang="en-US" sz="2400" dirty="0">
+                <a:latin typeface="+mj-lt"/>
+                <a:cs typeface="Tahoma" charset="0"/>
+                <a:sym typeface="Wingdings" panose="05000000000000000000" pitchFamily="2" charset="2"/>
+              </a:rPr>
+              <a:t>, </a:t>
+            </a:r>
+            <a:r>
+              <a:rPr lang="en-US" sz="2400" dirty="0">
                 <a:solidFill>
                   <a:srgbClr val="0000FF"/>
                 </a:solidFill>
@@ -8138,13 +8386,218 @@
               <a:t>Abstract Factory</a:t>
             </a:r>
             <a:r>
-              <a:rPr lang="en-US" sz="2400">
+              <a:rPr lang="en-US" sz="2400" dirty="0">
                 <a:latin typeface="+mj-lt"/>
                 <a:cs typeface="Tahoma" charset="0"/>
                 <a:sym typeface="Wingdings" panose="05000000000000000000" pitchFamily="2" charset="2"/>
               </a:rPr>
-              <a:t> tập trung khởi tạo các đối tượng theo nhóm biến thể nào đó</a:t>
-            </a:r>
+              <a:t> </a:t>
+            </a:r>
+            <a:r>
+              <a:rPr lang="en-US" sz="2400" dirty="0" err="1">
+                <a:latin typeface="+mj-lt"/>
+                <a:cs typeface="Tahoma" charset="0"/>
+                <a:sym typeface="Wingdings" panose="05000000000000000000" pitchFamily="2" charset="2"/>
+              </a:rPr>
+              <a:t>tập</a:t>
+            </a:r>
+            <a:r>
+              <a:rPr lang="en-US" sz="2400" dirty="0">
+                <a:latin typeface="+mj-lt"/>
+                <a:cs typeface="Tahoma" charset="0"/>
+                <a:sym typeface="Wingdings" panose="05000000000000000000" pitchFamily="2" charset="2"/>
+              </a:rPr>
+              <a:t> </a:t>
+            </a:r>
+            <a:r>
+              <a:rPr lang="en-US" sz="2400" dirty="0" err="1">
+                <a:latin typeface="+mj-lt"/>
+                <a:cs typeface="Tahoma" charset="0"/>
+                <a:sym typeface="Wingdings" panose="05000000000000000000" pitchFamily="2" charset="2"/>
+              </a:rPr>
+              <a:t>trung</a:t>
+            </a:r>
+            <a:r>
+              <a:rPr lang="en-US" sz="2400" dirty="0">
+                <a:latin typeface="+mj-lt"/>
+                <a:cs typeface="Tahoma" charset="0"/>
+                <a:sym typeface="Wingdings" panose="05000000000000000000" pitchFamily="2" charset="2"/>
+              </a:rPr>
+              <a:t> </a:t>
+            </a:r>
+            <a:r>
+              <a:rPr lang="en-US" sz="2400" dirty="0" err="1">
+                <a:latin typeface="+mj-lt"/>
+                <a:cs typeface="Tahoma" charset="0"/>
+                <a:sym typeface="Wingdings" panose="05000000000000000000" pitchFamily="2" charset="2"/>
+              </a:rPr>
+              <a:t>khởi</a:t>
+            </a:r>
+            <a:r>
+              <a:rPr lang="en-US" sz="2400" dirty="0">
+                <a:latin typeface="+mj-lt"/>
+                <a:cs typeface="Tahoma" charset="0"/>
+                <a:sym typeface="Wingdings" panose="05000000000000000000" pitchFamily="2" charset="2"/>
+              </a:rPr>
+              <a:t> </a:t>
+            </a:r>
+            <a:r>
+              <a:rPr lang="en-US" sz="2400" dirty="0" err="1">
+                <a:latin typeface="+mj-lt"/>
+                <a:cs typeface="Tahoma" charset="0"/>
+                <a:sym typeface="Wingdings" panose="05000000000000000000" pitchFamily="2" charset="2"/>
+              </a:rPr>
+              <a:t>tạo</a:t>
+            </a:r>
+            <a:r>
+              <a:rPr lang="en-US" sz="2400" dirty="0">
+                <a:latin typeface="+mj-lt"/>
+                <a:cs typeface="Tahoma" charset="0"/>
+                <a:sym typeface="Wingdings" panose="05000000000000000000" pitchFamily="2" charset="2"/>
+              </a:rPr>
+              <a:t> </a:t>
+            </a:r>
+            <a:r>
+              <a:rPr lang="en-US" sz="2400" dirty="0" err="1">
+                <a:latin typeface="+mj-lt"/>
+                <a:cs typeface="Tahoma" charset="0"/>
+                <a:sym typeface="Wingdings" panose="05000000000000000000" pitchFamily="2" charset="2"/>
+              </a:rPr>
+              <a:t>các</a:t>
+            </a:r>
+            <a:r>
+              <a:rPr lang="en-US" sz="2400" dirty="0">
+                <a:latin typeface="+mj-lt"/>
+                <a:cs typeface="Tahoma" charset="0"/>
+                <a:sym typeface="Wingdings" panose="05000000000000000000" pitchFamily="2" charset="2"/>
+              </a:rPr>
+              <a:t> </a:t>
+            </a:r>
+            <a:r>
+              <a:rPr lang="en-US" sz="2400" dirty="0" err="1">
+                <a:latin typeface="+mj-lt"/>
+                <a:cs typeface="Tahoma" charset="0"/>
+                <a:sym typeface="Wingdings" panose="05000000000000000000" pitchFamily="2" charset="2"/>
+              </a:rPr>
+              <a:t>đối</a:t>
+            </a:r>
+            <a:r>
+              <a:rPr lang="en-US" sz="2400" dirty="0">
+                <a:latin typeface="+mj-lt"/>
+                <a:cs typeface="Tahoma" charset="0"/>
+                <a:sym typeface="Wingdings" panose="05000000000000000000" pitchFamily="2" charset="2"/>
+              </a:rPr>
+              <a:t> </a:t>
+            </a:r>
+            <a:r>
+              <a:rPr lang="en-US" sz="2400" dirty="0" err="1">
+                <a:latin typeface="+mj-lt"/>
+                <a:cs typeface="Tahoma" charset="0"/>
+                <a:sym typeface="Wingdings" panose="05000000000000000000" pitchFamily="2" charset="2"/>
+              </a:rPr>
+              <a:t>tượng</a:t>
+            </a:r>
+            <a:r>
+              <a:rPr lang="en-US" sz="2400" dirty="0">
+                <a:latin typeface="+mj-lt"/>
+                <a:cs typeface="Tahoma" charset="0"/>
+                <a:sym typeface="Wingdings" panose="05000000000000000000" pitchFamily="2" charset="2"/>
+              </a:rPr>
+              <a:t> </a:t>
+            </a:r>
+            <a:r>
+              <a:rPr lang="en-US" sz="2400" dirty="0" err="1">
+                <a:latin typeface="+mj-lt"/>
+                <a:cs typeface="Tahoma" charset="0"/>
+                <a:sym typeface="Wingdings" panose="05000000000000000000" pitchFamily="2" charset="2"/>
+              </a:rPr>
+              <a:t>theo</a:t>
+            </a:r>
+            <a:r>
+              <a:rPr lang="en-US" sz="2400" dirty="0">
+                <a:latin typeface="+mj-lt"/>
+                <a:cs typeface="Tahoma" charset="0"/>
+                <a:sym typeface="Wingdings" panose="05000000000000000000" pitchFamily="2" charset="2"/>
+              </a:rPr>
+              <a:t> </a:t>
+            </a:r>
+            <a:r>
+              <a:rPr lang="en-US" sz="2400" dirty="0" err="1">
+                <a:latin typeface="+mj-lt"/>
+                <a:cs typeface="Tahoma" charset="0"/>
+                <a:sym typeface="Wingdings" panose="05000000000000000000" pitchFamily="2" charset="2"/>
+              </a:rPr>
+              <a:t>nhóm</a:t>
+            </a:r>
+            <a:r>
+              <a:rPr lang="en-US" sz="2400" dirty="0">
+                <a:latin typeface="+mj-lt"/>
+                <a:cs typeface="Tahoma" charset="0"/>
+                <a:sym typeface="Wingdings" panose="05000000000000000000" pitchFamily="2" charset="2"/>
+              </a:rPr>
+              <a:t> </a:t>
+            </a:r>
+            <a:r>
+              <a:rPr lang="en-US" sz="2400" dirty="0" err="1">
+                <a:latin typeface="+mj-lt"/>
+                <a:cs typeface="Tahoma" charset="0"/>
+                <a:sym typeface="Wingdings" panose="05000000000000000000" pitchFamily="2" charset="2"/>
+              </a:rPr>
+              <a:t>biến</a:t>
+            </a:r>
+            <a:r>
+              <a:rPr lang="en-US" sz="2400" dirty="0">
+                <a:latin typeface="+mj-lt"/>
+                <a:cs typeface="Tahoma" charset="0"/>
+                <a:sym typeface="Wingdings" panose="05000000000000000000" pitchFamily="2" charset="2"/>
+              </a:rPr>
+              <a:t> </a:t>
+            </a:r>
+            <a:r>
+              <a:rPr lang="en-US" sz="2400" dirty="0" err="1">
+                <a:latin typeface="+mj-lt"/>
+                <a:cs typeface="Tahoma" charset="0"/>
+                <a:sym typeface="Wingdings" panose="05000000000000000000" pitchFamily="2" charset="2"/>
+              </a:rPr>
+              <a:t>thể</a:t>
+            </a:r>
+            <a:r>
+              <a:rPr lang="en-US" sz="2400" dirty="0">
+                <a:latin typeface="+mj-lt"/>
+                <a:cs typeface="Tahoma" charset="0"/>
+                <a:sym typeface="Wingdings" panose="05000000000000000000" pitchFamily="2" charset="2"/>
+              </a:rPr>
+              <a:t> </a:t>
+            </a:r>
+            <a:r>
+              <a:rPr lang="en-US" sz="2400" dirty="0" err="1">
+                <a:latin typeface="+mj-lt"/>
+                <a:cs typeface="Tahoma" charset="0"/>
+                <a:sym typeface="Wingdings" panose="05000000000000000000" pitchFamily="2" charset="2"/>
+              </a:rPr>
+              <a:t>nào</a:t>
+            </a:r>
+            <a:r>
+              <a:rPr lang="en-US" sz="2400" dirty="0">
+                <a:latin typeface="+mj-lt"/>
+                <a:cs typeface="Tahoma" charset="0"/>
+                <a:sym typeface="Wingdings" panose="05000000000000000000" pitchFamily="2" charset="2"/>
+              </a:rPr>
+              <a:t> </a:t>
+            </a:r>
+            <a:r>
+              <a:rPr lang="en-US" sz="2400" dirty="0" err="1">
+                <a:latin typeface="+mj-lt"/>
+                <a:cs typeface="Tahoma" charset="0"/>
+                <a:sym typeface="Wingdings" panose="05000000000000000000" pitchFamily="2" charset="2"/>
+              </a:rPr>
+              <a:t>đó</a:t>
+            </a:r>
+            <a:endParaRPr lang="en-US" sz="2400" dirty="0">
+              <a:latin typeface="+mj-lt"/>
+              <a:cs typeface="Tahoma" charset="0"/>
+              <a:sym typeface="Wingdings" panose="05000000000000000000" pitchFamily="2" charset="2"/>
+            </a:endParaRPr>
           </a:p>
           <a:p>
             <a:pPr algn="just">
@@ -8157,7 +8610,7 @@
               <a:buFont typeface="Wingdings" panose="05000000000000000000" pitchFamily="2" charset="2"/>
               <a:buChar char="v"/>
             </a:pPr>
-            <a:endParaRPr lang="en-US" sz="2400">
+            <a:endParaRPr lang="en-US" sz="2400" dirty="0">
               <a:latin typeface="+mj-lt"/>
               <a:cs typeface="Tahoma" charset="0"/>
               <a:sym typeface="Wingdings" panose="05000000000000000000" pitchFamily="2" charset="2"/>
